--- a/intro.pptx
+++ b/intro.pptx
@@ -7,10 +7,12 @@
   <p:sldIdLst>
     <p:sldId id="256" r:id="rId2"/>
     <p:sldId id="257" r:id="rId3"/>
-    <p:sldId id="258" r:id="rId4"/>
-    <p:sldId id="259" r:id="rId5"/>
-    <p:sldId id="260" r:id="rId6"/>
-    <p:sldId id="261" r:id="rId7"/>
+    <p:sldId id="259" r:id="rId4"/>
+    <p:sldId id="263" r:id="rId5"/>
+    <p:sldId id="262" r:id="rId6"/>
+    <p:sldId id="258" r:id="rId7"/>
+    <p:sldId id="260" r:id="rId8"/>
+    <p:sldId id="261" r:id="rId9"/>
   </p:sldIdLst>
   <p:sldSz cx="9144000" cy="6858000" type="screen4x3"/>
   <p:notesSz cx="6858000" cy="9144000"/>
@@ -7770,14 +7772,14 @@
           <a:lstStyle/>
           <a:p>
             <a:r>
-              <a:rPr lang="zh-TW" altLang="en-US"/>
+              <a:rPr lang="zh-TW" altLang="en-US" dirty="0"/>
               <a:t>小專題報告</a:t>
             </a:r>
             <a:br>
-              <a:rPr lang="zh-TW" altLang="en-US"/>
+              <a:rPr lang="zh-TW" altLang="en-US" dirty="0"/>
             </a:br>
             <a:r>
-              <a:rPr lang="zh-TW" altLang="en-US"/>
+              <a:rPr lang="zh-TW" altLang="en-US" dirty="0"/>
               <a:t>文字戰鬥遊戲</a:t>
             </a:r>
           </a:p>
@@ -10407,10 +10409,10 @@
       </p:sp>
       <p:pic>
         <p:nvPicPr>
-          <p:cNvPr id="19" name="內容版面配置區 18">
+          <p:cNvPr id="6" name="內容版面配置區 5">
             <a:extLst>
               <a:ext uri="{FF2B5EF4-FFF2-40B4-BE49-F238E27FC236}">
-                <a16:creationId xmlns:a16="http://schemas.microsoft.com/office/drawing/2014/main" id="{D1002929-AF45-14A0-A11C-BC534DB97077}"/>
+                <a16:creationId xmlns:a16="http://schemas.microsoft.com/office/drawing/2014/main" id="{91AB7BDA-CFCB-D9C2-C896-D449253A7D45}"/>
               </a:ext>
             </a:extLst>
           </p:cNvPr>
@@ -10423,13 +10425,13 @@
         </p:nvPicPr>
         <p:blipFill>
           <a:blip r:embed="rId2"/>
-          <a:srcRect l="13861" t="10101"/>
+          <a:srcRect l="13307" t="10009"/>
           <a:stretch/>
         </p:blipFill>
         <p:spPr>
           <a:xfrm>
-            <a:off x="574416" y="1417638"/>
-            <a:ext cx="8020662" cy="4708525"/>
+            <a:off x="873760" y="1665874"/>
+            <a:ext cx="7396480" cy="4318835"/>
           </a:xfrm>
         </p:spPr>
       </p:pic>
@@ -10475,6 +10477,271 @@
           <a:p>
             <a:r>
               <a:rPr lang="zh-TW" altLang="en-US" dirty="0"/>
+              <a:t>戰鬥圖示</a:t>
+            </a:r>
+            <a:r>
+              <a:rPr lang="en-US" altLang="zh-TW" dirty="0"/>
+              <a:t>(Canvas)</a:t>
+            </a:r>
+            <a:endParaRPr dirty="0"/>
+          </a:p>
+        </p:txBody>
+      </p:sp>
+      <p:pic>
+        <p:nvPicPr>
+          <p:cNvPr id="5" name="內容版面配置區 4">
+            <a:extLst>
+              <a:ext uri="{FF2B5EF4-FFF2-40B4-BE49-F238E27FC236}">
+                <a16:creationId xmlns:a16="http://schemas.microsoft.com/office/drawing/2014/main" id="{AA497A12-64B9-212D-3AEE-01BCE399955F}"/>
+              </a:ext>
+            </a:extLst>
+          </p:cNvPr>
+          <p:cNvPicPr>
+            <a:picLocks noGrp="1" noChangeAspect="1"/>
+          </p:cNvPicPr>
+          <p:nvPr>
+            <p:ph idx="1"/>
+          </p:nvPr>
+        </p:nvPicPr>
+        <p:blipFill>
+          <a:blip r:embed="rId2"/>
+          <a:srcRect l="19771" t="14142" r="19997" b="34558"/>
+          <a:stretch/>
+        </p:blipFill>
+        <p:spPr>
+          <a:xfrm>
+            <a:off x="859786" y="1650550"/>
+            <a:ext cx="7424428" cy="3556900"/>
+          </a:xfrm>
+        </p:spPr>
+      </p:pic>
+    </p:spTree>
+  </p:cSld>
+  <p:clrMapOvr>
+    <a:masterClrMapping/>
+  </p:clrMapOvr>
+</p:sld>
+</file>
+
+<file path=ppt/slides/slide4.xml><?xml version="1.0" encoding="utf-8"?>
+<p:sld xmlns:a="http://schemas.openxmlformats.org/drawingml/2006/main" xmlns:r="http://schemas.openxmlformats.org/officeDocument/2006/relationships" xmlns:p="http://schemas.openxmlformats.org/presentationml/2006/main">
+  <p:cSld>
+    <p:spTree>
+      <p:nvGrpSpPr>
+        <p:cNvPr id="1" name="">
+          <a:extLst>
+            <a:ext uri="{FF2B5EF4-FFF2-40B4-BE49-F238E27FC236}">
+              <a16:creationId xmlns:a16="http://schemas.microsoft.com/office/drawing/2014/main" id="{5E406BF6-EE93-A957-6CB4-35EE2DDD10D6}"/>
+            </a:ext>
+          </a:extLst>
+        </p:cNvPr>
+        <p:cNvGrpSpPr/>
+        <p:nvPr/>
+      </p:nvGrpSpPr>
+      <p:grpSpPr>
+        <a:xfrm>
+          <a:off x="0" y="0"/>
+          <a:ext cx="0" cy="0"/>
+          <a:chOff x="0" y="0"/>
+          <a:chExt cx="0" cy="0"/>
+        </a:xfrm>
+      </p:grpSpPr>
+      <p:sp>
+        <p:nvSpPr>
+          <p:cNvPr id="2" name="Title 1">
+            <a:extLst>
+              <a:ext uri="{FF2B5EF4-FFF2-40B4-BE49-F238E27FC236}">
+                <a16:creationId xmlns:a16="http://schemas.microsoft.com/office/drawing/2014/main" id="{B89DD5B3-7CA7-5989-F2BD-EA885BED90A4}"/>
+              </a:ext>
+            </a:extLst>
+          </p:cNvPr>
+          <p:cNvSpPr>
+            <a:spLocks noGrp="1"/>
+          </p:cNvSpPr>
+          <p:nvPr>
+            <p:ph type="title"/>
+          </p:nvPr>
+        </p:nvSpPr>
+        <p:spPr/>
+        <p:txBody>
+          <a:bodyPr/>
+          <a:lstStyle/>
+          <a:p>
+            <a:r>
+              <a:rPr lang="zh-TW" altLang="en-US" dirty="0"/>
+              <a:t>戰鬥資訊</a:t>
+            </a:r>
+            <a:endParaRPr dirty="0"/>
+          </a:p>
+        </p:txBody>
+      </p:sp>
+      <p:pic>
+        <p:nvPicPr>
+          <p:cNvPr id="5" name="內容版面配置區 4">
+            <a:extLst>
+              <a:ext uri="{FF2B5EF4-FFF2-40B4-BE49-F238E27FC236}">
+                <a16:creationId xmlns:a16="http://schemas.microsoft.com/office/drawing/2014/main" id="{1CD323E7-41FC-248D-7E2E-BDCB98B4EC8B}"/>
+              </a:ext>
+            </a:extLst>
+          </p:cNvPr>
+          <p:cNvPicPr>
+            <a:picLocks noGrp="1" noChangeAspect="1"/>
+          </p:cNvPicPr>
+          <p:nvPr>
+            <p:ph idx="1"/>
+          </p:nvPr>
+        </p:nvPicPr>
+        <p:blipFill>
+          <a:blip r:embed="rId2"/>
+          <a:srcRect l="33392" t="65938" r="32489" b="618"/>
+          <a:stretch/>
+        </p:blipFill>
+        <p:spPr>
+          <a:xfrm>
+            <a:off x="1157342" y="2127250"/>
+            <a:ext cx="6829315" cy="3765550"/>
+          </a:xfrm>
+        </p:spPr>
+      </p:pic>
+    </p:spTree>
+    <p:extLst>
+      <p:ext uri="{BB962C8B-B14F-4D97-AF65-F5344CB8AC3E}">
+        <p14:creationId xmlns:p14="http://schemas.microsoft.com/office/powerpoint/2010/main" val="381455764"/>
+      </p:ext>
+    </p:extLst>
+  </p:cSld>
+  <p:clrMapOvr>
+    <a:masterClrMapping/>
+  </p:clrMapOvr>
+</p:sld>
+</file>
+
+<file path=ppt/slides/slide5.xml><?xml version="1.0" encoding="utf-8"?>
+<p:sld xmlns:a="http://schemas.openxmlformats.org/drawingml/2006/main" xmlns:r="http://schemas.openxmlformats.org/officeDocument/2006/relationships" xmlns:p="http://schemas.openxmlformats.org/presentationml/2006/main">
+  <p:cSld>
+    <p:spTree>
+      <p:nvGrpSpPr>
+        <p:cNvPr id="1" name="">
+          <a:extLst>
+            <a:ext uri="{FF2B5EF4-FFF2-40B4-BE49-F238E27FC236}">
+              <a16:creationId xmlns:a16="http://schemas.microsoft.com/office/drawing/2014/main" id="{964E873C-7890-3EAD-1E5A-9A4C96199943}"/>
+            </a:ext>
+          </a:extLst>
+        </p:cNvPr>
+        <p:cNvGrpSpPr/>
+        <p:nvPr/>
+      </p:nvGrpSpPr>
+      <p:grpSpPr>
+        <a:xfrm>
+          <a:off x="0" y="0"/>
+          <a:ext cx="0" cy="0"/>
+          <a:chOff x="0" y="0"/>
+          <a:chExt cx="0" cy="0"/>
+        </a:xfrm>
+      </p:grpSpPr>
+      <p:sp>
+        <p:nvSpPr>
+          <p:cNvPr id="2" name="Title 1">
+            <a:extLst>
+              <a:ext uri="{FF2B5EF4-FFF2-40B4-BE49-F238E27FC236}">
+                <a16:creationId xmlns:a16="http://schemas.microsoft.com/office/drawing/2014/main" id="{BAA66327-3279-59AF-0860-28418DEE8CBB}"/>
+              </a:ext>
+            </a:extLst>
+          </p:cNvPr>
+          <p:cNvSpPr>
+            <a:spLocks noGrp="1"/>
+          </p:cNvSpPr>
+          <p:nvPr>
+            <p:ph type="title"/>
+          </p:nvPr>
+        </p:nvSpPr>
+        <p:spPr/>
+        <p:txBody>
+          <a:bodyPr/>
+          <a:lstStyle/>
+          <a:p>
+            <a:r>
+              <a:rPr lang="zh-TW" altLang="en-US" dirty="0"/>
+              <a:t>遊戲資源</a:t>
+            </a:r>
+          </a:p>
+        </p:txBody>
+      </p:sp>
+      <p:pic>
+        <p:nvPicPr>
+          <p:cNvPr id="19" name="內容版面配置區 18">
+            <a:extLst>
+              <a:ext uri="{FF2B5EF4-FFF2-40B4-BE49-F238E27FC236}">
+                <a16:creationId xmlns:a16="http://schemas.microsoft.com/office/drawing/2014/main" id="{C64F30F3-314F-F414-5430-E82366A3D82D}"/>
+              </a:ext>
+            </a:extLst>
+          </p:cNvPr>
+          <p:cNvPicPr>
+            <a:picLocks noGrp="1" noChangeAspect="1"/>
+          </p:cNvPicPr>
+          <p:nvPr>
+            <p:ph idx="1"/>
+          </p:nvPr>
+        </p:nvPicPr>
+        <p:blipFill>
+          <a:blip r:embed="rId2"/>
+          <a:srcRect l="80952" t="10101" b="65443"/>
+          <a:stretch/>
+        </p:blipFill>
+        <p:spPr>
+          <a:xfrm>
+            <a:off x="2271048" y="1905000"/>
+            <a:ext cx="4601903" cy="3323386"/>
+          </a:xfrm>
+        </p:spPr>
+      </p:pic>
+    </p:spTree>
+    <p:extLst>
+      <p:ext uri="{BB962C8B-B14F-4D97-AF65-F5344CB8AC3E}">
+        <p14:creationId xmlns:p14="http://schemas.microsoft.com/office/powerpoint/2010/main" val="2717020890"/>
+      </p:ext>
+    </p:extLst>
+  </p:cSld>
+  <p:clrMapOvr>
+    <a:masterClrMapping/>
+  </p:clrMapOvr>
+</p:sld>
+</file>
+
+<file path=ppt/slides/slide6.xml><?xml version="1.0" encoding="utf-8"?>
+<p:sld xmlns:a="http://schemas.openxmlformats.org/drawingml/2006/main" xmlns:r="http://schemas.openxmlformats.org/officeDocument/2006/relationships" xmlns:p="http://schemas.openxmlformats.org/presentationml/2006/main">
+  <p:cSld>
+    <p:spTree>
+      <p:nvGrpSpPr>
+        <p:cNvPr id="1" name=""/>
+        <p:cNvGrpSpPr/>
+        <p:nvPr/>
+      </p:nvGrpSpPr>
+      <p:grpSpPr>
+        <a:xfrm>
+          <a:off x="0" y="0"/>
+          <a:ext cx="0" cy="0"/>
+          <a:chOff x="0" y="0"/>
+          <a:chExt cx="0" cy="0"/>
+        </a:xfrm>
+      </p:grpSpPr>
+      <p:sp>
+        <p:nvSpPr>
+          <p:cNvPr id="2" name="Title 1"/>
+          <p:cNvSpPr>
+            <a:spLocks noGrp="1"/>
+          </p:cNvSpPr>
+          <p:nvPr>
+            <p:ph type="title"/>
+          </p:nvPr>
+        </p:nvSpPr>
+        <p:spPr/>
+        <p:txBody>
+          <a:bodyPr/>
+          <a:lstStyle/>
+          <a:p>
+            <a:r>
+              <a:rPr lang="zh-TW" altLang="en-US" dirty="0"/>
               <a:t>能力強化</a:t>
             </a:r>
             <a:endParaRPr dirty="0"/>
@@ -10510,6 +10777,11 @@
         </p:spPr>
       </p:pic>
     </p:spTree>
+    <p:extLst>
+      <p:ext uri="{BB962C8B-B14F-4D97-AF65-F5344CB8AC3E}">
+        <p14:creationId xmlns:p14="http://schemas.microsoft.com/office/powerpoint/2010/main" val="929700959"/>
+      </p:ext>
+    </p:extLst>
   </p:cSld>
   <p:clrMapOvr>
     <a:masterClrMapping/>
@@ -10517,83 +10789,7 @@
 </p:sld>
 </file>
 
-<file path=ppt/slides/slide4.xml><?xml version="1.0" encoding="utf-8"?>
-<p:sld xmlns:a="http://schemas.openxmlformats.org/drawingml/2006/main" xmlns:r="http://schemas.openxmlformats.org/officeDocument/2006/relationships" xmlns:p="http://schemas.openxmlformats.org/presentationml/2006/main">
-  <p:cSld>
-    <p:spTree>
-      <p:nvGrpSpPr>
-        <p:cNvPr id="1" name=""/>
-        <p:cNvGrpSpPr/>
-        <p:nvPr/>
-      </p:nvGrpSpPr>
-      <p:grpSpPr>
-        <a:xfrm>
-          <a:off x="0" y="0"/>
-          <a:ext cx="0" cy="0"/>
-          <a:chOff x="0" y="0"/>
-          <a:chExt cx="0" cy="0"/>
-        </a:xfrm>
-      </p:grpSpPr>
-      <p:sp>
-        <p:nvSpPr>
-          <p:cNvPr id="2" name="Title 1"/>
-          <p:cNvSpPr>
-            <a:spLocks noGrp="1"/>
-          </p:cNvSpPr>
-          <p:nvPr>
-            <p:ph type="title"/>
-          </p:nvPr>
-        </p:nvSpPr>
-        <p:spPr/>
-        <p:txBody>
-          <a:bodyPr/>
-          <a:lstStyle/>
-          <a:p>
-            <a:r>
-              <a:rPr lang="zh-TW" altLang="en-US" dirty="0"/>
-              <a:t>戰鬥資訊</a:t>
-            </a:r>
-            <a:endParaRPr dirty="0"/>
-          </a:p>
-        </p:txBody>
-      </p:sp>
-      <p:pic>
-        <p:nvPicPr>
-          <p:cNvPr id="5" name="內容版面配置區 4">
-            <a:extLst>
-              <a:ext uri="{FF2B5EF4-FFF2-40B4-BE49-F238E27FC236}">
-                <a16:creationId xmlns:a16="http://schemas.microsoft.com/office/drawing/2014/main" id="{AA497A12-64B9-212D-3AEE-01BCE399955F}"/>
-              </a:ext>
-            </a:extLst>
-          </p:cNvPr>
-          <p:cNvPicPr>
-            <a:picLocks noGrp="1" noChangeAspect="1"/>
-          </p:cNvPicPr>
-          <p:nvPr>
-            <p:ph idx="1"/>
-          </p:nvPr>
-        </p:nvPicPr>
-        <p:blipFill>
-          <a:blip r:embed="rId2"/>
-          <a:srcRect l="19771" t="14142" r="19997"/>
-          <a:stretch/>
-        </p:blipFill>
-        <p:spPr>
-          <a:xfrm>
-            <a:off x="1613916" y="1417638"/>
-            <a:ext cx="5916168" cy="4743710"/>
-          </a:xfrm>
-        </p:spPr>
-      </p:pic>
-    </p:spTree>
-  </p:cSld>
-  <p:clrMapOvr>
-    <a:masterClrMapping/>
-  </p:clrMapOvr>
-</p:sld>
-</file>
-
-<file path=ppt/slides/slide5.xml><?xml version="1.0" encoding="utf-8"?>
+<file path=ppt/slides/slide7.xml><?xml version="1.0" encoding="utf-8"?>
 <p:sld xmlns:a="http://schemas.openxmlformats.org/drawingml/2006/main" xmlns:r="http://schemas.openxmlformats.org/officeDocument/2006/relationships" xmlns:p="http://schemas.openxmlformats.org/presentationml/2006/main">
   <p:cSld>
     <p:bg>
@@ -10947,6 +11143,13 @@
             <a:endParaRPr lang="en-US" altLang="zh-TW" sz="1800" dirty="0"/>
           </a:p>
           <a:p>
+            <a:pPr lvl="1"/>
+            <a:r>
+              <a:rPr lang="en-US" altLang="zh-TW" sz="1800" dirty="0"/>
+              <a:t>Call another function whin a function</a:t>
+            </a:r>
+          </a:p>
+          <a:p>
             <a:endParaRPr lang="en-US" altLang="zh-TW" sz="2000" dirty="0"/>
           </a:p>
           <a:p>
@@ -10979,13 +11182,8 @@
             <a:pPr lvl="1"/>
             <a:r>
               <a:rPr lang="en-US" altLang="zh-TW" sz="1800" dirty="0"/>
-              <a:t>AI</a:t>
+              <a:t>Copilot</a:t>
             </a:r>
-            <a:r>
-              <a:rPr lang="zh-TW" altLang="en-US" sz="1800" dirty="0"/>
-              <a:t>輔助</a:t>
-            </a:r>
-            <a:endParaRPr lang="en-US" altLang="zh-TW" sz="1800" dirty="0"/>
           </a:p>
         </p:txBody>
       </p:sp>
@@ -11030,7 +11228,7 @@
                                         <p:tgtEl>
                                           <p:spTgt spid="3">
                                             <p:txEl>
-                                              <p:pRg st="3" end="3"/>
+                                              <p:pRg st="4" end="4"/>
                                             </p:txEl>
                                           </p:spTgt>
                                         </p:tgtEl>
@@ -11048,7 +11246,7 @@
                                         <p:tgtEl>
                                           <p:spTgt spid="3">
                                             <p:txEl>
-                                              <p:pRg st="3" end="3"/>
+                                              <p:pRg st="4" end="4"/>
                                             </p:txEl>
                                           </p:spTgt>
                                         </p:tgtEl>
@@ -11073,7 +11271,7 @@
                                         <p:tgtEl>
                                           <p:spTgt spid="3">
                                             <p:txEl>
-                                              <p:pRg st="4" end="4"/>
+                                              <p:pRg st="5" end="5"/>
                                             </p:txEl>
                                           </p:spTgt>
                                         </p:tgtEl>
@@ -11091,7 +11289,7 @@
                                         <p:tgtEl>
                                           <p:spTgt spid="3">
                                             <p:txEl>
-                                              <p:pRg st="4" end="4"/>
+                                              <p:pRg st="5" end="5"/>
                                             </p:txEl>
                                           </p:spTgt>
                                         </p:tgtEl>
@@ -11100,33 +11298,15 @@
                                   </p:childTnLst>
                                 </p:cTn>
                               </p:par>
-                            </p:childTnLst>
-                          </p:cTn>
-                        </p:par>
-                      </p:childTnLst>
-                    </p:cTn>
-                  </p:par>
-                  <p:par>
-                    <p:cTn id="11" fill="hold">
-                      <p:stCondLst>
-                        <p:cond delay="indefinite"/>
-                      </p:stCondLst>
-                      <p:childTnLst>
-                        <p:par>
-                          <p:cTn id="12" fill="hold">
-                            <p:stCondLst>
-                              <p:cond delay="0"/>
-                            </p:stCondLst>
-                            <p:childTnLst>
                               <p:par>
-                                <p:cTn id="13" presetID="10" presetClass="entr" presetSubtype="0" fill="hold" nodeType="clickEffect">
+                                <p:cTn id="11" presetID="10" presetClass="entr" presetSubtype="0" fill="hold" nodeType="withEffect">
                                   <p:stCondLst>
                                     <p:cond delay="0"/>
                                   </p:stCondLst>
                                   <p:childTnLst>
                                     <p:set>
                                       <p:cBhvr>
-                                        <p:cTn id="14" dur="1" fill="hold">
+                                        <p:cTn id="12" dur="1" fill="hold">
                                           <p:stCondLst>
                                             <p:cond delay="0"/>
                                           </p:stCondLst>
@@ -11134,7 +11314,7 @@
                                         <p:tgtEl>
                                           <p:spTgt spid="3">
                                             <p:txEl>
-                                              <p:pRg st="5" end="5"/>
+                                              <p:pRg st="6" end="6"/>
                                             </p:txEl>
                                           </p:spTgt>
                                         </p:tgtEl>
@@ -11148,11 +11328,11 @@
                                     </p:set>
                                     <p:animEffect transition="in" filter="fade">
                                       <p:cBhvr>
-                                        <p:cTn id="15" dur="500"/>
+                                        <p:cTn id="13" dur="500"/>
                                         <p:tgtEl>
                                           <p:spTgt spid="3">
                                             <p:txEl>
-                                              <p:pRg st="5" end="5"/>
+                                              <p:pRg st="6" end="6"/>
                                             </p:txEl>
                                           </p:spTgt>
                                         </p:tgtEl>
@@ -11192,7 +11372,7 @@
 </p:sld>
 </file>
 
-<file path=ppt/slides/slide6.xml><?xml version="1.0" encoding="utf-8"?>
+<file path=ppt/slides/slide8.xml><?xml version="1.0" encoding="utf-8"?>
 <p:sld xmlns:a="http://schemas.openxmlformats.org/drawingml/2006/main" xmlns:r="http://schemas.openxmlformats.org/officeDocument/2006/relationships" xmlns:p="http://schemas.openxmlformats.org/presentationml/2006/main">
   <p:cSld>
     <p:bg>
@@ -15060,9 +15240,16 @@
                 <a:solidFill>
                   <a:srgbClr val="FFFFFF"/>
                 </a:solidFill>
+                <a:hlinkClick r:id="rId2" action="ppaction://hlinkfile"/>
               </a:rPr>
               <a:t>DEMO</a:t>
             </a:r>
+            <a:endParaRPr lang="en-US" altLang="zh-TW" sz="5400" dirty="0">
+              <a:solidFill>
+                <a:srgbClr val="FFFFFF"/>
+              </a:solidFill>
+              <a:hlinkClick r:id="rId3" action="ppaction://hlinkpres?slideindex=1&amp;slidetitle="/>
+            </a:endParaRPr>
           </a:p>
         </p:txBody>
       </p:sp>

--- a/intro.pptx
+++ b/intro.pptx
@@ -11117,35 +11117,26 @@
           <a:lstStyle/>
           <a:p>
             <a:r>
+              <a:rPr lang="en-US" sz="2000" dirty="0"/>
+              <a:t>While &amp;&amp; </a:t>
+            </a:r>
+            <a:r>
+              <a:rPr lang="en-US" sz="2000" dirty="0" err="1"/>
+              <a:t>settimeout</a:t>
+            </a:r>
+            <a:r>
+              <a:rPr lang="en-US" sz="2000" dirty="0"/>
+              <a:t> </a:t>
+            </a:r>
+            <a:r>
               <a:rPr lang="zh-TW" altLang="en-US" sz="2000" dirty="0"/>
-              <a:t>同步處理和非同步處理</a:t>
+              <a:t>衝突</a:t>
             </a:r>
             <a:endParaRPr lang="en-US" altLang="zh-TW" sz="2000" dirty="0"/>
           </a:p>
           <a:p>
-            <a:pPr lvl="1"/>
             <a:r>
-              <a:rPr lang="en-US" sz="1800" dirty="0"/>
-              <a:t>While &amp;&amp; </a:t>
-            </a:r>
-            <a:r>
-              <a:rPr lang="en-US" sz="1800" dirty="0" err="1"/>
-              <a:t>settimeout</a:t>
-            </a:r>
-            <a:r>
-              <a:rPr lang="en-US" sz="1800" dirty="0"/>
-              <a:t> </a:t>
-            </a:r>
-            <a:r>
-              <a:rPr lang="zh-TW" altLang="en-US" sz="1800" dirty="0"/>
-              <a:t>衝突</a:t>
-            </a:r>
-            <a:endParaRPr lang="en-US" altLang="zh-TW" sz="1800" dirty="0"/>
-          </a:p>
-          <a:p>
-            <a:pPr lvl="1"/>
-            <a:r>
-              <a:rPr lang="en-US" altLang="zh-TW" sz="1800" dirty="0"/>
+              <a:rPr lang="en-US" altLang="zh-TW" sz="2000" dirty="0"/>
               <a:t>Call another function whin a function</a:t>
             </a:r>
           </a:p>
@@ -11228,7 +11219,7 @@
                                         <p:tgtEl>
                                           <p:spTgt spid="3">
                                             <p:txEl>
-                                              <p:pRg st="4" end="4"/>
+                                              <p:pRg st="3" end="3"/>
                                             </p:txEl>
                                           </p:spTgt>
                                         </p:tgtEl>
@@ -11246,7 +11237,7 @@
                                         <p:tgtEl>
                                           <p:spTgt spid="3">
                                             <p:txEl>
-                                              <p:pRg st="4" end="4"/>
+                                              <p:pRg st="3" end="3"/>
                                             </p:txEl>
                                           </p:spTgt>
                                         </p:tgtEl>
@@ -11271,7 +11262,7 @@
                                         <p:tgtEl>
                                           <p:spTgt spid="3">
                                             <p:txEl>
-                                              <p:pRg st="5" end="5"/>
+                                              <p:pRg st="4" end="4"/>
                                             </p:txEl>
                                           </p:spTgt>
                                         </p:tgtEl>
@@ -11289,7 +11280,7 @@
                                         <p:tgtEl>
                                           <p:spTgt spid="3">
                                             <p:txEl>
-                                              <p:pRg st="5" end="5"/>
+                                              <p:pRg st="4" end="4"/>
                                             </p:txEl>
                                           </p:spTgt>
                                         </p:tgtEl>
@@ -11298,15 +11289,33 @@
                                   </p:childTnLst>
                                 </p:cTn>
                               </p:par>
+                            </p:childTnLst>
+                          </p:cTn>
+                        </p:par>
+                      </p:childTnLst>
+                    </p:cTn>
+                  </p:par>
+                  <p:par>
+                    <p:cTn id="11" fill="hold">
+                      <p:stCondLst>
+                        <p:cond delay="indefinite"/>
+                      </p:stCondLst>
+                      <p:childTnLst>
+                        <p:par>
+                          <p:cTn id="12" fill="hold">
+                            <p:stCondLst>
+                              <p:cond delay="0"/>
+                            </p:stCondLst>
+                            <p:childTnLst>
                               <p:par>
-                                <p:cTn id="11" presetID="10" presetClass="entr" presetSubtype="0" fill="hold" nodeType="withEffect">
+                                <p:cTn id="13" presetID="10" presetClass="entr" presetSubtype="0" fill="hold" nodeType="clickEffect">
                                   <p:stCondLst>
                                     <p:cond delay="0"/>
                                   </p:stCondLst>
                                   <p:childTnLst>
                                     <p:set>
                                       <p:cBhvr>
-                                        <p:cTn id="12" dur="1" fill="hold">
+                                        <p:cTn id="14" dur="1" fill="hold">
                                           <p:stCondLst>
                                             <p:cond delay="0"/>
                                           </p:stCondLst>
@@ -11314,7 +11323,7 @@
                                         <p:tgtEl>
                                           <p:spTgt spid="3">
                                             <p:txEl>
-                                              <p:pRg st="6" end="6"/>
+                                              <p:pRg st="5" end="5"/>
                                             </p:txEl>
                                           </p:spTgt>
                                         </p:tgtEl>
@@ -11328,11 +11337,11 @@
                                     </p:set>
                                     <p:animEffect transition="in" filter="fade">
                                       <p:cBhvr>
-                                        <p:cTn id="13" dur="500"/>
+                                        <p:cTn id="15" dur="500"/>
                                         <p:tgtEl>
                                           <p:spTgt spid="3">
                                             <p:txEl>
-                                              <p:pRg st="6" end="6"/>
+                                              <p:pRg st="5" end="5"/>
                                             </p:txEl>
                                           </p:spTgt>
                                         </p:tgtEl>
